--- a/Section04/Week4SQL.pptx
+++ b/Section04/Week4SQL.pptx
@@ -114,6 +114,11 @@
       </a:defRPr>
     </a:lvl9pPr>
   </p:defaultTextStyle>
+  <p:extLst>
+    <p:ext uri="{EFAFB233-063F-42B5-8137-9DF3F51BA10A}">
+      <p15:sldGuideLst xmlns:p15="http://schemas.microsoft.com/office/powerpoint/2012/main"/>
+    </p:ext>
+  </p:extLst>
 </p:presentation>
 </file>
 
@@ -264,7 +269,7 @@
           <a:p>
             <a:fld id="{2711A4DC-344A-4F39-9EBA-383FC654B852}" type="datetimeFigureOut">
               <a:rPr lang="en-US" smtClean="0"/>
-              <a:t>1/31/2022</a:t>
+              <a:t>10/3/2022</a:t>
             </a:fld>
             <a:endParaRPr lang="en-US"/>
           </a:p>
@@ -462,7 +467,7 @@
           <a:p>
             <a:fld id="{2711A4DC-344A-4F39-9EBA-383FC654B852}" type="datetimeFigureOut">
               <a:rPr lang="en-US" smtClean="0"/>
-              <a:t>1/31/2022</a:t>
+              <a:t>10/3/2022</a:t>
             </a:fld>
             <a:endParaRPr lang="en-US"/>
           </a:p>
@@ -670,7 +675,7 @@
           <a:p>
             <a:fld id="{2711A4DC-344A-4F39-9EBA-383FC654B852}" type="datetimeFigureOut">
               <a:rPr lang="en-US" smtClean="0"/>
-              <a:t>1/31/2022</a:t>
+              <a:t>10/3/2022</a:t>
             </a:fld>
             <a:endParaRPr lang="en-US"/>
           </a:p>
@@ -868,7 +873,7 @@
           <a:p>
             <a:fld id="{2711A4DC-344A-4F39-9EBA-383FC654B852}" type="datetimeFigureOut">
               <a:rPr lang="en-US" smtClean="0"/>
-              <a:t>1/31/2022</a:t>
+              <a:t>10/3/2022</a:t>
             </a:fld>
             <a:endParaRPr lang="en-US"/>
           </a:p>
@@ -1143,7 +1148,7 @@
           <a:p>
             <a:fld id="{2711A4DC-344A-4F39-9EBA-383FC654B852}" type="datetimeFigureOut">
               <a:rPr lang="en-US" smtClean="0"/>
-              <a:t>1/31/2022</a:t>
+              <a:t>10/3/2022</a:t>
             </a:fld>
             <a:endParaRPr lang="en-US"/>
           </a:p>
@@ -1408,7 +1413,7 @@
           <a:p>
             <a:fld id="{2711A4DC-344A-4F39-9EBA-383FC654B852}" type="datetimeFigureOut">
               <a:rPr lang="en-US" smtClean="0"/>
-              <a:t>1/31/2022</a:t>
+              <a:t>10/3/2022</a:t>
             </a:fld>
             <a:endParaRPr lang="en-US"/>
           </a:p>
@@ -1820,7 +1825,7 @@
           <a:p>
             <a:fld id="{2711A4DC-344A-4F39-9EBA-383FC654B852}" type="datetimeFigureOut">
               <a:rPr lang="en-US" smtClean="0"/>
-              <a:t>1/31/2022</a:t>
+              <a:t>10/3/2022</a:t>
             </a:fld>
             <a:endParaRPr lang="en-US"/>
           </a:p>
@@ -1961,7 +1966,7 @@
           <a:p>
             <a:fld id="{2711A4DC-344A-4F39-9EBA-383FC654B852}" type="datetimeFigureOut">
               <a:rPr lang="en-US" smtClean="0"/>
-              <a:t>1/31/2022</a:t>
+              <a:t>10/3/2022</a:t>
             </a:fld>
             <a:endParaRPr lang="en-US"/>
           </a:p>
@@ -2074,7 +2079,7 @@
           <a:p>
             <a:fld id="{2711A4DC-344A-4F39-9EBA-383FC654B852}" type="datetimeFigureOut">
               <a:rPr lang="en-US" smtClean="0"/>
-              <a:t>1/31/2022</a:t>
+              <a:t>10/3/2022</a:t>
             </a:fld>
             <a:endParaRPr lang="en-US"/>
           </a:p>
@@ -2385,7 +2390,7 @@
           <a:p>
             <a:fld id="{2711A4DC-344A-4F39-9EBA-383FC654B852}" type="datetimeFigureOut">
               <a:rPr lang="en-US" smtClean="0"/>
-              <a:t>1/31/2022</a:t>
+              <a:t>10/3/2022</a:t>
             </a:fld>
             <a:endParaRPr lang="en-US"/>
           </a:p>
@@ -2673,7 +2678,7 @@
           <a:p>
             <a:fld id="{2711A4DC-344A-4F39-9EBA-383FC654B852}" type="datetimeFigureOut">
               <a:rPr lang="en-US" smtClean="0"/>
-              <a:t>1/31/2022</a:t>
+              <a:t>10/3/2022</a:t>
             </a:fld>
             <a:endParaRPr lang="en-US"/>
           </a:p>
@@ -2917,7 +2922,7 @@
           <a:p>
             <a:fld id="{2711A4DC-344A-4F39-9EBA-383FC654B852}" type="datetimeFigureOut">
               <a:rPr lang="en-US" smtClean="0"/>
-              <a:t>1/31/2022</a:t>
+              <a:t>10/3/2022</a:t>
             </a:fld>
             <a:endParaRPr lang="en-US"/>
           </a:p>
@@ -9737,57 +9742,81 @@
           </a:bodyPr>
           <a:lstStyle/>
           <a:p>
-            <a:r>
-              <a:rPr lang="en-US" dirty="0"/>
-              <a:t>+=		add equals</a:t>
-            </a:r>
-          </a:p>
-          <a:p>
-            <a:r>
-              <a:rPr lang="en-US" dirty="0"/>
-              <a:t>-=		subtract equals</a:t>
-            </a:r>
-          </a:p>
-          <a:p>
-            <a:r>
-              <a:rPr lang="en-US" dirty="0"/>
-              <a:t>*=		multiply equals</a:t>
-            </a:r>
-          </a:p>
-          <a:p>
-            <a:r>
-              <a:rPr lang="en-US" dirty="0"/>
-              <a:t>/=		divide equals</a:t>
-            </a:r>
-          </a:p>
-          <a:p>
-            <a:r>
-              <a:rPr lang="en-US" dirty="0"/>
-              <a:t>%=		modulo equals</a:t>
-            </a:r>
-          </a:p>
-          <a:p>
-            <a:r>
-              <a:rPr lang="en-US" dirty="0"/>
-              <a:t>&amp;=		bitwise AND equals</a:t>
-            </a:r>
-          </a:p>
-          <a:p>
-            <a:r>
-              <a:rPr lang="en-US" dirty="0"/>
-              <a:t>^=		bitwise exclusive</a:t>
-            </a:r>
-          </a:p>
-          <a:p>
             <a:pPr marL="0" indent="0">
               <a:buNone/>
             </a:pPr>
             <a:r>
               <a:rPr lang="en-US" dirty="0"/>
+              <a:t>+=		add equals</a:t>
+            </a:r>
+          </a:p>
+          <a:p>
+            <a:pPr marL="0" indent="0">
+              <a:buNone/>
+            </a:pPr>
+            <a:r>
+              <a:rPr lang="en-US" dirty="0"/>
+              <a:t>-=		subtract equals</a:t>
+            </a:r>
+          </a:p>
+          <a:p>
+            <a:pPr marL="0" indent="0">
+              <a:buNone/>
+            </a:pPr>
+            <a:r>
+              <a:rPr lang="en-US" dirty="0"/>
+              <a:t>*=		multiply equals</a:t>
+            </a:r>
+          </a:p>
+          <a:p>
+            <a:pPr marL="0" indent="0">
+              <a:buNone/>
+            </a:pPr>
+            <a:r>
+              <a:rPr lang="en-US" dirty="0"/>
+              <a:t>/=		divide equals</a:t>
+            </a:r>
+          </a:p>
+          <a:p>
+            <a:pPr marL="0" indent="0">
+              <a:buNone/>
+            </a:pPr>
+            <a:r>
+              <a:rPr lang="en-US" dirty="0"/>
+              <a:t>%=		modulo equals</a:t>
+            </a:r>
+          </a:p>
+          <a:p>
+            <a:pPr marL="0" indent="0">
+              <a:buNone/>
+            </a:pPr>
+            <a:r>
+              <a:rPr lang="en-US" dirty="0"/>
+              <a:t>&amp;=		bitwise AND equals</a:t>
+            </a:r>
+          </a:p>
+          <a:p>
+            <a:pPr marL="0" indent="0">
+              <a:buNone/>
+            </a:pPr>
+            <a:r>
+              <a:rPr lang="en-US" dirty="0"/>
+              <a:t>^=		bitwise exclusive</a:t>
+            </a:r>
+          </a:p>
+          <a:p>
+            <a:pPr marL="0" indent="0">
+              <a:buNone/>
+            </a:pPr>
+            <a:r>
+              <a:rPr lang="en-US" dirty="0"/>
               <a:t>	             equals</a:t>
             </a:r>
           </a:p>
           <a:p>
+            <a:pPr marL="0" indent="0">
+              <a:buNone/>
+            </a:pPr>
             <a:r>
               <a:rPr lang="en-US" dirty="0"/>
               <a:t>|*=		bitwise OR equals</a:t>

--- a/Section04/Week4SQL.pptx
+++ b/Section04/Week4SQL.pptx
@@ -269,7 +269,7 @@
           <a:p>
             <a:fld id="{2711A4DC-344A-4F39-9EBA-383FC654B852}" type="datetimeFigureOut">
               <a:rPr lang="en-US" smtClean="0"/>
-              <a:t>10/3/2022</a:t>
+              <a:t>10/4/2022</a:t>
             </a:fld>
             <a:endParaRPr lang="en-US"/>
           </a:p>
@@ -467,7 +467,7 @@
           <a:p>
             <a:fld id="{2711A4DC-344A-4F39-9EBA-383FC654B852}" type="datetimeFigureOut">
               <a:rPr lang="en-US" smtClean="0"/>
-              <a:t>10/3/2022</a:t>
+              <a:t>10/4/2022</a:t>
             </a:fld>
             <a:endParaRPr lang="en-US"/>
           </a:p>
@@ -675,7 +675,7 @@
           <a:p>
             <a:fld id="{2711A4DC-344A-4F39-9EBA-383FC654B852}" type="datetimeFigureOut">
               <a:rPr lang="en-US" smtClean="0"/>
-              <a:t>10/3/2022</a:t>
+              <a:t>10/4/2022</a:t>
             </a:fld>
             <a:endParaRPr lang="en-US"/>
           </a:p>
@@ -873,7 +873,7 @@
           <a:p>
             <a:fld id="{2711A4DC-344A-4F39-9EBA-383FC654B852}" type="datetimeFigureOut">
               <a:rPr lang="en-US" smtClean="0"/>
-              <a:t>10/3/2022</a:t>
+              <a:t>10/4/2022</a:t>
             </a:fld>
             <a:endParaRPr lang="en-US"/>
           </a:p>
@@ -1148,7 +1148,7 @@
           <a:p>
             <a:fld id="{2711A4DC-344A-4F39-9EBA-383FC654B852}" type="datetimeFigureOut">
               <a:rPr lang="en-US" smtClean="0"/>
-              <a:t>10/3/2022</a:t>
+              <a:t>10/4/2022</a:t>
             </a:fld>
             <a:endParaRPr lang="en-US"/>
           </a:p>
@@ -1413,7 +1413,7 @@
           <a:p>
             <a:fld id="{2711A4DC-344A-4F39-9EBA-383FC654B852}" type="datetimeFigureOut">
               <a:rPr lang="en-US" smtClean="0"/>
-              <a:t>10/3/2022</a:t>
+              <a:t>10/4/2022</a:t>
             </a:fld>
             <a:endParaRPr lang="en-US"/>
           </a:p>
@@ -1825,7 +1825,7 @@
           <a:p>
             <a:fld id="{2711A4DC-344A-4F39-9EBA-383FC654B852}" type="datetimeFigureOut">
               <a:rPr lang="en-US" smtClean="0"/>
-              <a:t>10/3/2022</a:t>
+              <a:t>10/4/2022</a:t>
             </a:fld>
             <a:endParaRPr lang="en-US"/>
           </a:p>
@@ -1966,7 +1966,7 @@
           <a:p>
             <a:fld id="{2711A4DC-344A-4F39-9EBA-383FC654B852}" type="datetimeFigureOut">
               <a:rPr lang="en-US" smtClean="0"/>
-              <a:t>10/3/2022</a:t>
+              <a:t>10/4/2022</a:t>
             </a:fld>
             <a:endParaRPr lang="en-US"/>
           </a:p>
@@ -2079,7 +2079,7 @@
           <a:p>
             <a:fld id="{2711A4DC-344A-4F39-9EBA-383FC654B852}" type="datetimeFigureOut">
               <a:rPr lang="en-US" smtClean="0"/>
-              <a:t>10/3/2022</a:t>
+              <a:t>10/4/2022</a:t>
             </a:fld>
             <a:endParaRPr lang="en-US"/>
           </a:p>
@@ -2390,7 +2390,7 @@
           <a:p>
             <a:fld id="{2711A4DC-344A-4F39-9EBA-383FC654B852}" type="datetimeFigureOut">
               <a:rPr lang="en-US" smtClean="0"/>
-              <a:t>10/3/2022</a:t>
+              <a:t>10/4/2022</a:t>
             </a:fld>
             <a:endParaRPr lang="en-US"/>
           </a:p>
@@ -2678,7 +2678,7 @@
           <a:p>
             <a:fld id="{2711A4DC-344A-4F39-9EBA-383FC654B852}" type="datetimeFigureOut">
               <a:rPr lang="en-US" smtClean="0"/>
-              <a:t>10/3/2022</a:t>
+              <a:t>10/4/2022</a:t>
             </a:fld>
             <a:endParaRPr lang="en-US"/>
           </a:p>
@@ -2922,7 +2922,7 @@
           <a:p>
             <a:fld id="{2711A4DC-344A-4F39-9EBA-383FC654B852}" type="datetimeFigureOut">
               <a:rPr lang="en-US" smtClean="0"/>
-              <a:t>10/3/2022</a:t>
+              <a:t>10/4/2022</a:t>
             </a:fld>
             <a:endParaRPr lang="en-US"/>
           </a:p>
@@ -6141,7 +6141,7 @@
               <a:rPr lang="en-US" sz="6600" b="1" dirty="0">
                 <a:latin typeface="+mn-lt"/>
               </a:rPr>
-              <a:t>How Does SQL in Your Web Site?</a:t>
+              <a:t>How does SQL get in a Web Site?</a:t>
             </a:r>
           </a:p>
         </p:txBody>
